--- a/Other/My_Nostalgic_Echo_Of_the_CISCO_Client_Account_Tech_Service_Overview.pptx
+++ b/Other/My_Nostalgic_Echo_Of_the_CISCO_Client_Account_Tech_Service_Overview.pptx
@@ -3744,12 +3744,20 @@
           <a:p>
             <a:pPr algn="ctr"/>
             <a:r>
+              <a:rPr lang="en-GB" sz="1200">
+                <a:solidFill>
+                  <a:schemeClr val="tx1"/>
+                </a:solidFill>
+              </a:rPr>
+              <a:t>Commodity Hardware </a:t>
+            </a:r>
+            <a:r>
               <a:rPr lang="en-GB" sz="1200" dirty="0">
                 <a:solidFill>
                   <a:schemeClr val="tx1"/>
                 </a:solidFill>
               </a:rPr>
-              <a:t>Commodity HW Components</a:t>
+              <a:t>Components</a:t>
             </a:r>
           </a:p>
         </p:txBody>
